--- a/1/4_18 Магнитно-резонансная спектроскопия.pptx
+++ b/1/4_18 Магнитно-резонансная спектроскопия.pptx
@@ -21,6 +21,7 @@
     <p:sldId id="291" r:id="rId15"/>
     <p:sldId id="292" r:id="rId16"/>
     <p:sldId id="293" r:id="rId17"/>
+    <p:sldId id="294" r:id="rId18"/>
   </p:sldIdLst>
   <p:sldSz cx="12192000" cy="6858000"/>
   <p:notesSz cx="6858000" cy="9144000"/>
@@ -286,7 +287,7 @@
           <a:p>
             <a:fld id="{30A95110-85B8-4301-B13B-F280A06B402E}" type="datetimeFigureOut">
               <a:rPr lang="ru-RU" smtClean="0"/>
-              <a:t>16.08.2021</a:t>
+              <a:t>20.08.2021</a:t>
             </a:fld>
             <a:endParaRPr lang="ru-RU"/>
           </a:p>
@@ -484,7 +485,7 @@
           <a:p>
             <a:fld id="{30A95110-85B8-4301-B13B-F280A06B402E}" type="datetimeFigureOut">
               <a:rPr lang="ru-RU" smtClean="0"/>
-              <a:t>16.08.2021</a:t>
+              <a:t>20.08.2021</a:t>
             </a:fld>
             <a:endParaRPr lang="ru-RU"/>
           </a:p>
@@ -692,7 +693,7 @@
           <a:p>
             <a:fld id="{30A95110-85B8-4301-B13B-F280A06B402E}" type="datetimeFigureOut">
               <a:rPr lang="ru-RU" smtClean="0"/>
-              <a:t>16.08.2021</a:t>
+              <a:t>20.08.2021</a:t>
             </a:fld>
             <a:endParaRPr lang="ru-RU"/>
           </a:p>
@@ -890,7 +891,7 @@
           <a:p>
             <a:fld id="{30A95110-85B8-4301-B13B-F280A06B402E}" type="datetimeFigureOut">
               <a:rPr lang="ru-RU" smtClean="0"/>
-              <a:t>16.08.2021</a:t>
+              <a:t>20.08.2021</a:t>
             </a:fld>
             <a:endParaRPr lang="ru-RU"/>
           </a:p>
@@ -1165,7 +1166,7 @@
           <a:p>
             <a:fld id="{30A95110-85B8-4301-B13B-F280A06B402E}" type="datetimeFigureOut">
               <a:rPr lang="ru-RU" smtClean="0"/>
-              <a:t>16.08.2021</a:t>
+              <a:t>20.08.2021</a:t>
             </a:fld>
             <a:endParaRPr lang="ru-RU"/>
           </a:p>
@@ -1430,7 +1431,7 @@
           <a:p>
             <a:fld id="{30A95110-85B8-4301-B13B-F280A06B402E}" type="datetimeFigureOut">
               <a:rPr lang="ru-RU" smtClean="0"/>
-              <a:t>16.08.2021</a:t>
+              <a:t>20.08.2021</a:t>
             </a:fld>
             <a:endParaRPr lang="ru-RU"/>
           </a:p>
@@ -1842,7 +1843,7 @@
           <a:p>
             <a:fld id="{30A95110-85B8-4301-B13B-F280A06B402E}" type="datetimeFigureOut">
               <a:rPr lang="ru-RU" smtClean="0"/>
-              <a:t>16.08.2021</a:t>
+              <a:t>20.08.2021</a:t>
             </a:fld>
             <a:endParaRPr lang="ru-RU"/>
           </a:p>
@@ -1983,7 +1984,7 @@
           <a:p>
             <a:fld id="{30A95110-85B8-4301-B13B-F280A06B402E}" type="datetimeFigureOut">
               <a:rPr lang="ru-RU" smtClean="0"/>
-              <a:t>16.08.2021</a:t>
+              <a:t>20.08.2021</a:t>
             </a:fld>
             <a:endParaRPr lang="ru-RU"/>
           </a:p>
@@ -2096,7 +2097,7 @@
           <a:p>
             <a:fld id="{30A95110-85B8-4301-B13B-F280A06B402E}" type="datetimeFigureOut">
               <a:rPr lang="ru-RU" smtClean="0"/>
-              <a:t>16.08.2021</a:t>
+              <a:t>20.08.2021</a:t>
             </a:fld>
             <a:endParaRPr lang="ru-RU"/>
           </a:p>
@@ -2407,7 +2408,7 @@
           <a:p>
             <a:fld id="{30A95110-85B8-4301-B13B-F280A06B402E}" type="datetimeFigureOut">
               <a:rPr lang="ru-RU" smtClean="0"/>
-              <a:t>16.08.2021</a:t>
+              <a:t>20.08.2021</a:t>
             </a:fld>
             <a:endParaRPr lang="ru-RU"/>
           </a:p>
@@ -2695,7 +2696,7 @@
           <a:p>
             <a:fld id="{30A95110-85B8-4301-B13B-F280A06B402E}" type="datetimeFigureOut">
               <a:rPr lang="ru-RU" smtClean="0"/>
-              <a:t>16.08.2021</a:t>
+              <a:t>20.08.2021</a:t>
             </a:fld>
             <a:endParaRPr lang="ru-RU"/>
           </a:p>
@@ -2936,7 +2937,7 @@
           <a:p>
             <a:fld id="{30A95110-85B8-4301-B13B-F280A06B402E}" type="datetimeFigureOut">
               <a:rPr lang="ru-RU" smtClean="0"/>
-              <a:t>16.08.2021</a:t>
+              <a:t>20.08.2021</a:t>
             </a:fld>
             <a:endParaRPr lang="ru-RU"/>
           </a:p>
@@ -4830,6 +4831,129 @@
 </p:sld>
 </file>
 
+<file path=ppt/slides/slide17.xml><?xml version="1.0" encoding="utf-8"?>
+<p:sld xmlns:a="http://schemas.openxmlformats.org/drawingml/2006/main" xmlns:r="http://schemas.openxmlformats.org/officeDocument/2006/relationships" xmlns:p="http://schemas.openxmlformats.org/presentationml/2006/main">
+  <p:cSld>
+    <p:spTree>
+      <p:nvGrpSpPr>
+        <p:cNvPr id="1" name=""/>
+        <p:cNvGrpSpPr/>
+        <p:nvPr/>
+      </p:nvGrpSpPr>
+      <p:grpSpPr>
+        <a:xfrm>
+          <a:off x="0" y="0"/>
+          <a:ext cx="0" cy="0"/>
+          <a:chOff x="0" y="0"/>
+          <a:chExt cx="0" cy="0"/>
+        </a:xfrm>
+      </p:grpSpPr>
+      <p:sp>
+        <p:nvSpPr>
+          <p:cNvPr id="2" name="Заголовок 1">
+            <a:extLst>
+              <a:ext uri="{FF2B5EF4-FFF2-40B4-BE49-F238E27FC236}">
+                <a16:creationId xmlns:a16="http://schemas.microsoft.com/office/drawing/2014/main" id="{C14F730E-35C0-4BA0-AAD6-2FDED4F8A426}"/>
+              </a:ext>
+            </a:extLst>
+          </p:cNvPr>
+          <p:cNvSpPr>
+            <a:spLocks noGrp="1"/>
+          </p:cNvSpPr>
+          <p:nvPr>
+            <p:ph type="title"/>
+          </p:nvPr>
+        </p:nvSpPr>
+        <p:spPr/>
+        <p:txBody>
+          <a:bodyPr/>
+          <a:lstStyle/>
+          <a:p>
+            <a:r>
+              <a:rPr lang="ru-RU" dirty="0"/>
+              <a:t>Обсуждение</a:t>
+            </a:r>
+          </a:p>
+        </p:txBody>
+      </p:sp>
+      <p:sp>
+        <p:nvSpPr>
+          <p:cNvPr id="5" name="TextBox 4">
+            <a:extLst>
+              <a:ext uri="{FF2B5EF4-FFF2-40B4-BE49-F238E27FC236}">
+                <a16:creationId xmlns:a16="http://schemas.microsoft.com/office/drawing/2014/main" id="{BCB5DD39-4856-4EE5-BD24-5F13C7E02F94}"/>
+              </a:ext>
+            </a:extLst>
+          </p:cNvPr>
+          <p:cNvSpPr txBox="1"/>
+          <p:nvPr/>
+        </p:nvSpPr>
+        <p:spPr>
+          <a:xfrm>
+            <a:off x="3047301" y="2830933"/>
+            <a:ext cx="6094602" cy="1477328"/>
+          </a:xfrm>
+          <a:prstGeom prst="rect">
+            <a:avLst/>
+          </a:prstGeom>
+          <a:noFill/>
+        </p:spPr>
+        <p:txBody>
+          <a:bodyPr wrap="square">
+            <a:spAutoFit/>
+          </a:bodyPr>
+          <a:lstStyle/>
+          <a:p>
+            <a:pPr algn="ctr"/>
+            <a:r>
+              <a:rPr lang="ru-RU" b="1" i="0" dirty="0">
+                <a:solidFill>
+                  <a:srgbClr val="1F1F1F"/>
+                </a:solidFill>
+                <a:effectLst/>
+                <a:latin typeface="OpenSans-Light"/>
+              </a:rPr>
+              <a:t>Магнитно-резонансная спектроскопия</a:t>
+            </a:r>
+          </a:p>
+          <a:p>
+            <a:pPr algn="l"/>
+            <a:endParaRPr lang="ru-RU" b="0" i="0" dirty="0">
+              <a:solidFill>
+                <a:srgbClr val="1F1F1F"/>
+              </a:solidFill>
+              <a:effectLst/>
+              <a:latin typeface="OpenSans"/>
+            </a:endParaRPr>
+          </a:p>
+          <a:p>
+            <a:pPr algn="l"/>
+            <a:r>
+              <a:rPr lang="ru-RU" b="0" i="0" dirty="0">
+                <a:solidFill>
+                  <a:srgbClr val="1F1F1F"/>
+                </a:solidFill>
+                <a:effectLst/>
+                <a:latin typeface="OpenSans"/>
+              </a:rPr>
+              <a:t>Каким образом магнитно-резонансная спектроскопия и задача на основе дополнительных методов функциональной магнитно-резонансной томографии?</a:t>
+            </a:r>
+          </a:p>
+        </p:txBody>
+      </p:sp>
+    </p:spTree>
+    <p:extLst>
+      <p:ext uri="{BB962C8B-B14F-4D97-AF65-F5344CB8AC3E}">
+        <p14:creationId xmlns:p14="http://schemas.microsoft.com/office/powerpoint/2010/main" val="2721628928"/>
+      </p:ext>
+    </p:extLst>
+  </p:cSld>
+  <p:clrMapOvr>
+    <a:masterClrMapping/>
+  </p:clrMapOvr>
+</p:sld>
+</file>
+
 <file path=ppt/slides/slide2.xml><?xml version="1.0" encoding="utf-8"?>
 <p:sld xmlns:a="http://schemas.openxmlformats.org/drawingml/2006/main" xmlns:r="http://schemas.openxmlformats.org/officeDocument/2006/relationships" xmlns:p="http://schemas.openxmlformats.org/presentationml/2006/main">
   <p:cSld>
